--- a/documentatie/Hopeless Blood Donation.pptx
+++ b/documentatie/Hopeless Blood Donation.pptx
@@ -645,11 +645,11 @@
         </c:dLbls>
         <c:gapWidth val="219"/>
         <c:overlap val="-27"/>
-        <c:axId val="297715376"/>
-        <c:axId val="297711456"/>
+        <c:axId val="202149128"/>
+        <c:axId val="202145600"/>
       </c:barChart>
       <c:catAx>
-        <c:axId val="297715376"/>
+        <c:axId val="202149128"/>
         <c:scaling>
           <c:orientation val="minMax"/>
         </c:scaling>
@@ -692,7 +692,7 @@
             <a:endParaRPr lang="en-US"/>
           </a:p>
         </c:txPr>
-        <c:crossAx val="297711456"/>
+        <c:crossAx val="202145600"/>
         <c:crosses val="autoZero"/>
         <c:auto val="1"/>
         <c:lblAlgn val="ctr"/>
@@ -700,7 +700,7 @@
         <c:noMultiLvlLbl val="0"/>
       </c:catAx>
       <c:valAx>
-        <c:axId val="297711456"/>
+        <c:axId val="202145600"/>
         <c:scaling>
           <c:orientation val="minMax"/>
         </c:scaling>
@@ -751,7 +751,7 @@
             <a:endParaRPr lang="en-US"/>
           </a:p>
         </c:txPr>
-        <c:crossAx val="297715376"/>
+        <c:crossAx val="202149128"/>
         <c:crosses val="autoZero"/>
         <c:crossBetween val="between"/>
       </c:valAx>
@@ -4301,28 +4301,28 @@
     </dgm:pt>
   </dgm:ptLst>
   <dgm:cxnLst>
+    <dgm:cxn modelId="{1E0096C6-4CD5-4DE5-B01A-9CB6C521C663}" type="presOf" srcId="{C712D637-7FF1-401C-9304-F85D1B95B226}" destId="{859CA2CA-8A33-4975-9F01-7A3C8BB729DE}" srcOrd="0" destOrd="0" presId="urn:microsoft.com/office/officeart/2005/8/layout/process4"/>
+    <dgm:cxn modelId="{F39A0F9D-46B6-4919-9523-26CC31D42046}" type="presOf" srcId="{3FE03ED9-3066-4E28-8291-0B1764DC85D6}" destId="{A6EE397C-6C28-4128-BFFE-CFF44F70153F}" srcOrd="0" destOrd="0" presId="urn:microsoft.com/office/officeart/2005/8/layout/process4"/>
+    <dgm:cxn modelId="{0706773B-D893-407F-AF8F-6FF9B970B82F}" type="presOf" srcId="{C3DC95A2-4D92-42C5-966E-8600E4BA31BD}" destId="{B752F9F5-2482-4D52-A33E-BE0263F4B0EA}" srcOrd="1" destOrd="0" presId="urn:microsoft.com/office/officeart/2005/8/layout/process4"/>
+    <dgm:cxn modelId="{DC3337D0-6D85-4C7A-8FFC-2AB3DD06DF33}" type="presOf" srcId="{DB6AA457-F75F-415D-BDD5-92045774FE4B}" destId="{7371425A-4D37-4FA7-A21E-1529F4324E45}" srcOrd="0" destOrd="0" presId="urn:microsoft.com/office/officeart/2005/8/layout/process4"/>
+    <dgm:cxn modelId="{9653D664-EC18-40D7-9F5E-3B27A70DCA4D}" srcId="{CD5204CD-6958-4A55-82AA-4AD73B3B6A19}" destId="{C712D637-7FF1-401C-9304-F85D1B95B226}" srcOrd="0" destOrd="0" parTransId="{05E1DD5C-7FEF-48F0-9651-C74D082ACBA9}" sibTransId="{F14B97BF-E90F-4D5A-A42B-6364BCB81249}"/>
+    <dgm:cxn modelId="{D9A5499E-26B4-4FF8-ABF4-9E96D92980E2}" type="presOf" srcId="{99C943DF-AAA4-4E2C-A283-FA2BF761F447}" destId="{A8E0F749-66B2-490B-99E9-CC106B163B16}" srcOrd="0" destOrd="0" presId="urn:microsoft.com/office/officeart/2005/8/layout/process4"/>
+    <dgm:cxn modelId="{8A476EEB-6A39-4004-AD8C-BD56913E7B26}" srcId="{CD5204CD-6958-4A55-82AA-4AD73B3B6A19}" destId="{C3DC95A2-4D92-42C5-966E-8600E4BA31BD}" srcOrd="2" destOrd="0" parTransId="{F9D94033-59E5-4228-A5F3-6CB272E77E3B}" sibTransId="{A43E3114-C8AC-4F44-952D-8A0D6A8A6B45}"/>
+    <dgm:cxn modelId="{8FBF4A72-7700-4AF4-8C93-93782DF6DE48}" type="presOf" srcId="{C3DC95A2-4D92-42C5-966E-8600E4BA31BD}" destId="{588D9B7D-EC68-4FB0-96F2-2E47AC868059}" srcOrd="0" destOrd="0" presId="urn:microsoft.com/office/officeart/2005/8/layout/process4"/>
+    <dgm:cxn modelId="{95927CB8-F37F-4E32-8581-F3C2A2A8BB0E}" type="presOf" srcId="{BE7D1973-6D2C-4968-BCF6-20825375E544}" destId="{6F5EC2C1-7E6F-44F6-86C7-E9F432980BF8}" srcOrd="0" destOrd="0" presId="urn:microsoft.com/office/officeart/2005/8/layout/process4"/>
+    <dgm:cxn modelId="{58CBC8B5-7E58-4E0D-8DF8-9142B375CDB4}" srcId="{C3DC95A2-4D92-42C5-966E-8600E4BA31BD}" destId="{A2C1D1ED-BD10-4128-A514-426103169D55}" srcOrd="1" destOrd="0" parTransId="{802C2E71-09F1-4F53-A934-1378FE0850AB}" sibTransId="{9CF15037-40F8-4DC5-96DE-078AEB6BB6AA}"/>
+    <dgm:cxn modelId="{D37B0F7E-3DFF-4369-A67E-20A9F351F371}" type="presOf" srcId="{C712D637-7FF1-401C-9304-F85D1B95B226}" destId="{A48265CE-F3A3-46DB-9DD2-97590B4DBB84}" srcOrd="1" destOrd="0" presId="urn:microsoft.com/office/officeart/2005/8/layout/process4"/>
+    <dgm:cxn modelId="{93F76B4F-907D-4630-B1A9-C3BE3C102DFF}" srcId="{CD5204CD-6958-4A55-82AA-4AD73B3B6A19}" destId="{DB6AA457-F75F-415D-BDD5-92045774FE4B}" srcOrd="1" destOrd="0" parTransId="{195DBB62-3C1E-4BED-ADB6-6E31CA6ABD63}" sibTransId="{C684833D-85CC-4010-A138-ABC65E139C69}"/>
+    <dgm:cxn modelId="{1515D4BC-440F-42E9-96AA-6AE10A85F08C}" srcId="{C712D637-7FF1-401C-9304-F85D1B95B226}" destId="{BE7D1973-6D2C-4968-BCF6-20825375E544}" srcOrd="1" destOrd="0" parTransId="{EC38ED3C-2A61-4D6C-91E6-18B8770147E4}" sibTransId="{0403709B-123C-4565-85E8-987C36FA63EA}"/>
     <dgm:cxn modelId="{DDC13488-AC04-4007-BF7E-FAA4093CBC9A}" type="presOf" srcId="{743FE7B1-011B-42E6-8768-1EB3E95741FA}" destId="{59FFE57C-E5F2-4FBD-AA4D-8DB27381892F}" srcOrd="0" destOrd="0" presId="urn:microsoft.com/office/officeart/2005/8/layout/process4"/>
+    <dgm:cxn modelId="{8CA3A866-737D-40F4-884A-053A9D648D56}" type="presOf" srcId="{400D9B11-6B0C-42EC-9FED-4D287CCA9F32}" destId="{606FAA19-90E9-482C-A94B-D78B49D38481}" srcOrd="0" destOrd="0" presId="urn:microsoft.com/office/officeart/2005/8/layout/process4"/>
+    <dgm:cxn modelId="{EADBD4A0-66E9-47EB-96F6-B9A4F968A750}" type="presOf" srcId="{A2C1D1ED-BD10-4128-A514-426103169D55}" destId="{7BDAFCDA-647D-4861-A6F4-581BDB3D73A2}" srcOrd="0" destOrd="0" presId="urn:microsoft.com/office/officeart/2005/8/layout/process4"/>
+    <dgm:cxn modelId="{E0178970-A7DE-4667-92D0-02FF506B7DAE}" type="presOf" srcId="{DB6AA457-F75F-415D-BDD5-92045774FE4B}" destId="{80AD606B-F25E-46DF-B405-18F7D2EAE74A}" srcOrd="1" destOrd="0" presId="urn:microsoft.com/office/officeart/2005/8/layout/process4"/>
+    <dgm:cxn modelId="{F534A709-37E1-4DDA-A6F9-28C05EC86100}" type="presOf" srcId="{CD5204CD-6958-4A55-82AA-4AD73B3B6A19}" destId="{31D3AE5D-DA06-4E2D-9D68-F5531DFE7C2B}" srcOrd="0" destOrd="0" presId="urn:microsoft.com/office/officeart/2005/8/layout/process4"/>
+    <dgm:cxn modelId="{F9232B4D-645E-4C93-A5D6-A89B30504327}" srcId="{DB6AA457-F75F-415D-BDD5-92045774FE4B}" destId="{99C943DF-AAA4-4E2C-A283-FA2BF761F447}" srcOrd="0" destOrd="0" parTransId="{20F107AF-35DA-4D25-AB35-B8AD821D3FE7}" sibTransId="{4802CB64-7B32-458C-A9FF-C35C0A51E69A}"/>
     <dgm:cxn modelId="{EF7A2011-FCAC-41A8-A305-634BF780B59D}" srcId="{DB6AA457-F75F-415D-BDD5-92045774FE4B}" destId="{3FE03ED9-3066-4E28-8291-0B1764DC85D6}" srcOrd="1" destOrd="0" parTransId="{70F79093-990B-4C69-A0BC-6E28D692D24F}" sibTransId="{2D17DCF5-1F10-4F99-AFA5-9D17F12D0A73}"/>
-    <dgm:cxn modelId="{D9A5499E-26B4-4FF8-ABF4-9E96D92980E2}" type="presOf" srcId="{99C943DF-AAA4-4E2C-A283-FA2BF761F447}" destId="{A8E0F749-66B2-490B-99E9-CC106B163B16}" srcOrd="0" destOrd="0" presId="urn:microsoft.com/office/officeart/2005/8/layout/process4"/>
-    <dgm:cxn modelId="{F9232B4D-645E-4C93-A5D6-A89B30504327}" srcId="{DB6AA457-F75F-415D-BDD5-92045774FE4B}" destId="{99C943DF-AAA4-4E2C-A283-FA2BF761F447}" srcOrd="0" destOrd="0" parTransId="{20F107AF-35DA-4D25-AB35-B8AD821D3FE7}" sibTransId="{4802CB64-7B32-458C-A9FF-C35C0A51E69A}"/>
+    <dgm:cxn modelId="{6D29C741-1B1E-4EBC-A0C7-F287A8ED285A}" srcId="{C712D637-7FF1-401C-9304-F85D1B95B226}" destId="{743FE7B1-011B-42E6-8768-1EB3E95741FA}" srcOrd="0" destOrd="0" parTransId="{921AFB12-2D70-40FB-8AB1-299E0FF2C5A6}" sibTransId="{FFAF77DD-A644-4C36-8908-6204BB0D9268}"/>
     <dgm:cxn modelId="{6AF44254-1C79-4E23-935A-455BCFDBA1AB}" srcId="{C3DC95A2-4D92-42C5-966E-8600E4BA31BD}" destId="{400D9B11-6B0C-42EC-9FED-4D287CCA9F32}" srcOrd="0" destOrd="0" parTransId="{098A818E-194C-4C19-A860-B6BDDD7D23D4}" sibTransId="{95FC2252-480C-459F-9015-A32B5296C85A}"/>
-    <dgm:cxn modelId="{F39A0F9D-46B6-4919-9523-26CC31D42046}" type="presOf" srcId="{3FE03ED9-3066-4E28-8291-0B1764DC85D6}" destId="{A6EE397C-6C28-4128-BFFE-CFF44F70153F}" srcOrd="0" destOrd="0" presId="urn:microsoft.com/office/officeart/2005/8/layout/process4"/>
-    <dgm:cxn modelId="{1E0096C6-4CD5-4DE5-B01A-9CB6C521C663}" type="presOf" srcId="{C712D637-7FF1-401C-9304-F85D1B95B226}" destId="{859CA2CA-8A33-4975-9F01-7A3C8BB729DE}" srcOrd="0" destOrd="0" presId="urn:microsoft.com/office/officeart/2005/8/layout/process4"/>
-    <dgm:cxn modelId="{EADBD4A0-66E9-47EB-96F6-B9A4F968A750}" type="presOf" srcId="{A2C1D1ED-BD10-4128-A514-426103169D55}" destId="{7BDAFCDA-647D-4861-A6F4-581BDB3D73A2}" srcOrd="0" destOrd="0" presId="urn:microsoft.com/office/officeart/2005/8/layout/process4"/>
-    <dgm:cxn modelId="{93F76B4F-907D-4630-B1A9-C3BE3C102DFF}" srcId="{CD5204CD-6958-4A55-82AA-4AD73B3B6A19}" destId="{DB6AA457-F75F-415D-BDD5-92045774FE4B}" srcOrd="1" destOrd="0" parTransId="{195DBB62-3C1E-4BED-ADB6-6E31CA6ABD63}" sibTransId="{C684833D-85CC-4010-A138-ABC65E139C69}"/>
-    <dgm:cxn modelId="{8A476EEB-6A39-4004-AD8C-BD56913E7B26}" srcId="{CD5204CD-6958-4A55-82AA-4AD73B3B6A19}" destId="{C3DC95A2-4D92-42C5-966E-8600E4BA31BD}" srcOrd="2" destOrd="0" parTransId="{F9D94033-59E5-4228-A5F3-6CB272E77E3B}" sibTransId="{A43E3114-C8AC-4F44-952D-8A0D6A8A6B45}"/>
-    <dgm:cxn modelId="{9653D664-EC18-40D7-9F5E-3B27A70DCA4D}" srcId="{CD5204CD-6958-4A55-82AA-4AD73B3B6A19}" destId="{C712D637-7FF1-401C-9304-F85D1B95B226}" srcOrd="0" destOrd="0" parTransId="{05E1DD5C-7FEF-48F0-9651-C74D082ACBA9}" sibTransId="{F14B97BF-E90F-4D5A-A42B-6364BCB81249}"/>
-    <dgm:cxn modelId="{58CBC8B5-7E58-4E0D-8DF8-9142B375CDB4}" srcId="{C3DC95A2-4D92-42C5-966E-8600E4BA31BD}" destId="{A2C1D1ED-BD10-4128-A514-426103169D55}" srcOrd="1" destOrd="0" parTransId="{802C2E71-09F1-4F53-A934-1378FE0850AB}" sibTransId="{9CF15037-40F8-4DC5-96DE-078AEB6BB6AA}"/>
-    <dgm:cxn modelId="{F534A709-37E1-4DDA-A6F9-28C05EC86100}" type="presOf" srcId="{CD5204CD-6958-4A55-82AA-4AD73B3B6A19}" destId="{31D3AE5D-DA06-4E2D-9D68-F5531DFE7C2B}" srcOrd="0" destOrd="0" presId="urn:microsoft.com/office/officeart/2005/8/layout/process4"/>
-    <dgm:cxn modelId="{0706773B-D893-407F-AF8F-6FF9B970B82F}" type="presOf" srcId="{C3DC95A2-4D92-42C5-966E-8600E4BA31BD}" destId="{B752F9F5-2482-4D52-A33E-BE0263F4B0EA}" srcOrd="1" destOrd="0" presId="urn:microsoft.com/office/officeart/2005/8/layout/process4"/>
-    <dgm:cxn modelId="{1515D4BC-440F-42E9-96AA-6AE10A85F08C}" srcId="{C712D637-7FF1-401C-9304-F85D1B95B226}" destId="{BE7D1973-6D2C-4968-BCF6-20825375E544}" srcOrd="1" destOrd="0" parTransId="{EC38ED3C-2A61-4D6C-91E6-18B8770147E4}" sibTransId="{0403709B-123C-4565-85E8-987C36FA63EA}"/>
-    <dgm:cxn modelId="{8FBF4A72-7700-4AF4-8C93-93782DF6DE48}" type="presOf" srcId="{C3DC95A2-4D92-42C5-966E-8600E4BA31BD}" destId="{588D9B7D-EC68-4FB0-96F2-2E47AC868059}" srcOrd="0" destOrd="0" presId="urn:microsoft.com/office/officeart/2005/8/layout/process4"/>
-    <dgm:cxn modelId="{6D29C741-1B1E-4EBC-A0C7-F287A8ED285A}" srcId="{C712D637-7FF1-401C-9304-F85D1B95B226}" destId="{743FE7B1-011B-42E6-8768-1EB3E95741FA}" srcOrd="0" destOrd="0" parTransId="{921AFB12-2D70-40FB-8AB1-299E0FF2C5A6}" sibTransId="{FFAF77DD-A644-4C36-8908-6204BB0D9268}"/>
-    <dgm:cxn modelId="{8CA3A866-737D-40F4-884A-053A9D648D56}" type="presOf" srcId="{400D9B11-6B0C-42EC-9FED-4D287CCA9F32}" destId="{606FAA19-90E9-482C-A94B-D78B49D38481}" srcOrd="0" destOrd="0" presId="urn:microsoft.com/office/officeart/2005/8/layout/process4"/>
-    <dgm:cxn modelId="{E0178970-A7DE-4667-92D0-02FF506B7DAE}" type="presOf" srcId="{DB6AA457-F75F-415D-BDD5-92045774FE4B}" destId="{80AD606B-F25E-46DF-B405-18F7D2EAE74A}" srcOrd="1" destOrd="0" presId="urn:microsoft.com/office/officeart/2005/8/layout/process4"/>
-    <dgm:cxn modelId="{D37B0F7E-3DFF-4369-A67E-20A9F351F371}" type="presOf" srcId="{C712D637-7FF1-401C-9304-F85D1B95B226}" destId="{A48265CE-F3A3-46DB-9DD2-97590B4DBB84}" srcOrd="1" destOrd="0" presId="urn:microsoft.com/office/officeart/2005/8/layout/process4"/>
-    <dgm:cxn modelId="{95927CB8-F37F-4E32-8581-F3C2A2A8BB0E}" type="presOf" srcId="{BE7D1973-6D2C-4968-BCF6-20825375E544}" destId="{6F5EC2C1-7E6F-44F6-86C7-E9F432980BF8}" srcOrd="0" destOrd="0" presId="urn:microsoft.com/office/officeart/2005/8/layout/process4"/>
-    <dgm:cxn modelId="{DC3337D0-6D85-4C7A-8FFC-2AB3DD06DF33}" type="presOf" srcId="{DB6AA457-F75F-415D-BDD5-92045774FE4B}" destId="{7371425A-4D37-4FA7-A21E-1529F4324E45}" srcOrd="0" destOrd="0" presId="urn:microsoft.com/office/officeart/2005/8/layout/process4"/>
     <dgm:cxn modelId="{3319FFFB-C569-4E02-A272-7B59D4DFB52E}" type="presParOf" srcId="{31D3AE5D-DA06-4E2D-9D68-F5531DFE7C2B}" destId="{127AFF01-F37D-42CC-8885-1689151201CD}" srcOrd="0" destOrd="0" presId="urn:microsoft.com/office/officeart/2005/8/layout/process4"/>
     <dgm:cxn modelId="{F513D989-718D-4E74-ACE1-6034522679D8}" type="presParOf" srcId="{127AFF01-F37D-42CC-8885-1689151201CD}" destId="{588D9B7D-EC68-4FB0-96F2-2E47AC868059}" srcOrd="0" destOrd="0" presId="urn:microsoft.com/office/officeart/2005/8/layout/process4"/>
     <dgm:cxn modelId="{1B3B3082-F8EC-4CA3-9E9D-2B8CF88E0F1B}" type="presParOf" srcId="{127AFF01-F37D-42CC-8885-1689151201CD}" destId="{B752F9F5-2482-4D52-A33E-BE0263F4B0EA}" srcOrd="1" destOrd="0" presId="urn:microsoft.com/office/officeart/2005/8/layout/process4"/>
@@ -16594,18 +16594,7 @@
                   </a:schemeClr>
                 </a:solidFill>
               </a:rPr>
-              <a:t> (machine </a:t>
-            </a:r>
-            <a:r>
-              <a:rPr lang="en-US" sz="2400" dirty="0" smtClean="0">
-                <a:solidFill>
-                  <a:schemeClr val="tx1">
-                    <a:lumMod val="75000"/>
-                    <a:lumOff val="25000"/>
-                  </a:schemeClr>
-                </a:solidFill>
-              </a:rPr>
-              <a:t>learning) </a:t>
+              <a:t> (machine learning) </a:t>
             </a:r>
             <a:r>
               <a:rPr lang="en-US" sz="2400" dirty="0" err="1" smtClean="0">
@@ -18003,14 +17992,6 @@
               </a:rPr>
               <a:t> </a:t>
             </a:r>
-            <a:endParaRPr lang="en-US" sz="2400" dirty="0" smtClean="0">
-              <a:solidFill>
-                <a:schemeClr val="tx1">
-                  <a:lumMod val="75000"/>
-                  <a:lumOff val="25000"/>
-                </a:schemeClr>
-              </a:solidFill>
-            </a:endParaRPr>
           </a:p>
         </p:txBody>
       </p:sp>
@@ -23180,12 +23161,8 @@
               <a:t>Am ales </a:t>
             </a:r>
             <a:r>
-              <a:rPr lang="en-US" dirty="0" err="1" smtClean="0"/>
-              <a:t>Gradel</a:t>
-            </a:r>
-            <a:r>
-              <a:rPr lang="en-US" dirty="0" smtClean="0"/>
-              <a:t> </a:t>
+              <a:rPr lang="en-US" smtClean="0"/>
+              <a:t>Gradle </a:t>
             </a:r>
             <a:r>
               <a:rPr lang="en-US" dirty="0" err="1" smtClean="0"/>
